--- a/Pipeline presentation.pptx
+++ b/Pipeline presentation.pptx
@@ -18,6 +18,7 @@
     <p:sldId id="267" r:id="rId12"/>
     <p:sldId id="268" r:id="rId13"/>
     <p:sldId id="269" r:id="rId14"/>
+    <p:sldId id="272" r:id="rId15"/>
   </p:sldIdLst>
   <p:sldSz cx="12192000" cy="6858000"/>
   <p:notesSz cx="6858000" cy="9144000"/>
@@ -6809,8 +6810,8 @@
         </p:nvSpPr>
         <p:spPr>
           <a:xfrm>
-            <a:off x="913795" y="609600"/>
-            <a:ext cx="5910517" cy="1117600"/>
+            <a:off x="913796" y="609600"/>
+            <a:ext cx="5168052" cy="1117600"/>
           </a:xfrm>
         </p:spPr>
         <p:txBody>
@@ -6845,8 +6846,8 @@
         </p:nvSpPr>
         <p:spPr>
           <a:xfrm>
-            <a:off x="913795" y="1828800"/>
-            <a:ext cx="5910517" cy="3962400"/>
+            <a:off x="913796" y="1828800"/>
+            <a:ext cx="5168052" cy="3962400"/>
           </a:xfrm>
         </p:spPr>
         <p:txBody>
@@ -6855,43 +6856,50 @@
           </a:bodyPr>
           <a:lstStyle/>
           <a:p>
-            <a:pPr lvl="1">
+            <a:pPr>
               <a:buClr>
-                <a:srgbClr val="0F7EDF"/>
+                <a:srgbClr val="76D375"/>
               </a:buClr>
             </a:pPr>
-            <a:endParaRPr lang="en-GB" dirty="0"/>
-          </a:p>
-          <a:p>
-            <a:pPr marL="450000" lvl="1" indent="0">
-              <a:buClr>
-                <a:srgbClr val="0F7EDF"/>
-              </a:buClr>
-              <a:buNone/>
-            </a:pPr>
-            <a:r>
-              <a:rPr lang="en-US" dirty="0"/>
-              <a:t>The neural network correctly identified 1,879 legit players and 108 cheaters. There are 121 false positives (legit players wrongly flagged as cheaters) and 292 false negatives (cheaters missed).The model is very strong at detecting legit behavior but still struggles to catch all cheaters, indicating that cheating behavior can sometimes appear similar to legitimate play.</a:t>
-            </a:r>
-            <a:endParaRPr lang="en-GB" dirty="0"/>
-          </a:p>
-        </p:txBody>
-      </p:sp>
-      <p:sp>
-        <p:nvSpPr>
-          <p:cNvPr id="17" name="Rectangle 16">
+            <a:r>
+              <a:rPr lang="en-US" dirty="0">
+                <a:effectLst/>
+              </a:rPr>
+              <a:t>The </a:t>
+            </a:r>
+            <a:r>
+              <a:rPr lang="en-US" dirty="0" err="1">
+                <a:effectLst/>
+              </a:rPr>
+              <a:t>XGBoost</a:t>
+            </a:r>
+            <a:r>
+              <a:rPr lang="en-US" dirty="0">
+                <a:effectLst/>
+              </a:rPr>
+              <a:t> model achieved an overall accuracy of 85%, performing very well at detecting legit players (99% recall) but struggling to identify cheaters (17% recall). This imbalance is largely due to the dataset having many more legit samples (2000) than cheaters (400), leading the model to favor predicting legit labels. As shown in the confusion matrix, 330 cheaters were misclassified as legit while only 70 were correctly flagged.</a:t>
+            </a:r>
+            <a:endParaRPr lang="en-US">
+              <a:effectLst/>
+            </a:endParaRPr>
+          </a:p>
+        </p:txBody>
+      </p:sp>
+      <p:pic>
+        <p:nvPicPr>
+          <p:cNvPr id="22" name="Picture 21">
             <a:extLst>
               <a:ext uri="{FF2B5EF4-FFF2-40B4-BE49-F238E27FC236}">
-                <a16:creationId xmlns:a16="http://schemas.microsoft.com/office/drawing/2014/main" id="{FEB31415-7BF1-4297-867D-3EA440C99172}"/>
+                <a16:creationId xmlns:a16="http://schemas.microsoft.com/office/drawing/2014/main" id="{F15A1844-5CB8-438B-B90E-EF2A51CF87B6}"/>
               </a:ext>
               <a:ext uri="{C183D7F6-B498-43B3-948B-1728B52AA6E4}">
                 <adec:decorative xmlns:adec="http://schemas.microsoft.com/office/drawing/2017/decorative" val="1"/>
               </a:ext>
             </a:extLst>
           </p:cNvPr>
-          <p:cNvSpPr>
-            <a:spLocks noGrp="1" noRot="1" noChangeAspect="1" noMove="1" noResize="1" noEditPoints="1" noAdjustHandles="1" noChangeArrowheads="1" noChangeShapeType="1" noTextEdit="1"/>
-          </p:cNvSpPr>
+          <p:cNvPicPr>
+            <a:picLocks noGrp="1" noRot="1" noChangeAspect="1" noMove="1" noResize="1" noEditPoints="1" noAdjustHandles="1" noChangeArrowheads="1" noChangeShapeType="1" noCrop="1"/>
+          </p:cNvPicPr>
           <p:nvPr>
             <p:extLst>
               <p:ext uri="{386F3935-93C4-4BCD-93E2-E3B085C9AB24}">
@@ -6899,87 +6907,34 @@
               </p:ext>
             </p:extLst>
           </p:nvPr>
-        </p:nvSpPr>
-        <p:spPr>
-          <a:xfrm>
-            <a:off x="7582162" y="965196"/>
-            <a:ext cx="3685394" cy="4971787"/>
+        </p:nvPicPr>
+        <p:blipFill rotWithShape="1">
+          <a:blip r:embed="rId3">
+            <a:extLst>
+              <a:ext uri="{28A0092B-C50C-407E-A947-70E740481C1C}">
+                <a14:useLocalDpi xmlns:a14="http://schemas.microsoft.com/office/drawing/2010/main" val="0"/>
+              </a:ext>
+            </a:extLst>
+          </a:blip>
+          <a:srcRect t="964" r="2807" b="1446"/>
+          <a:stretch/>
+        </p:blipFill>
+        <p:spPr>
+          <a:xfrm>
+            <a:off x="6586695" y="1"/>
+            <a:ext cx="5605305" cy="6858000"/>
           </a:xfrm>
           <a:prstGeom prst="rect">
             <a:avLst/>
           </a:prstGeom>
-          <a:solidFill>
-            <a:schemeClr val="tx1"/>
-          </a:solidFill>
-          <a:ln w="190500">
-            <a:solidFill>
-              <a:schemeClr val="tx1">
-                <a:alpha val="7000"/>
-              </a:schemeClr>
-            </a:solidFill>
-          </a:ln>
-        </p:spPr>
-        <p:style>
-          <a:lnRef idx="2">
-            <a:schemeClr val="accent1">
-              <a:shade val="50000"/>
-            </a:schemeClr>
-          </a:lnRef>
-          <a:fillRef idx="1">
-            <a:schemeClr val="accent1"/>
-          </a:fillRef>
-          <a:effectRef idx="0">
-            <a:schemeClr val="accent1"/>
-          </a:effectRef>
-          <a:fontRef idx="minor">
-            <a:schemeClr val="lt1"/>
-          </a:fontRef>
-        </p:style>
-        <p:txBody>
-          <a:bodyPr rtlCol="0" anchor="ctr"/>
-          <a:lstStyle/>
-          <a:p>
-            <a:pPr algn="ctr"/>
-            <a:endParaRPr lang="en-US"/>
-          </a:p>
-        </p:txBody>
-      </p:sp>
-      <p:pic>
-        <p:nvPicPr>
-          <p:cNvPr id="5" name="Picture 4">
-            <a:extLst>
-              <a:ext uri="{FF2B5EF4-FFF2-40B4-BE49-F238E27FC236}">
-                <a16:creationId xmlns:a16="http://schemas.microsoft.com/office/drawing/2014/main" id="{A41DF929-8C32-7120-BB15-5DC1F50126CE}"/>
-              </a:ext>
-            </a:extLst>
-          </p:cNvPr>
-          <p:cNvPicPr>
-            <a:picLocks noChangeAspect="1"/>
-          </p:cNvPicPr>
-          <p:nvPr/>
-        </p:nvPicPr>
-        <p:blipFill>
-          <a:blip r:embed="rId3"/>
-          <a:stretch>
-            <a:fillRect/>
-          </a:stretch>
-        </p:blipFill>
-        <p:spPr>
-          <a:xfrm>
-            <a:off x="7741863" y="1658017"/>
-            <a:ext cx="3397653" cy="1180684"/>
-          </a:xfrm>
-          <a:prstGeom prst="rect">
-            <a:avLst/>
-          </a:prstGeom>
         </p:spPr>
       </p:pic>
       <p:pic>
         <p:nvPicPr>
-          <p:cNvPr id="7" name="Picture 6">
+          <p:cNvPr id="6" name="Picture 5">
             <a:extLst>
               <a:ext uri="{FF2B5EF4-FFF2-40B4-BE49-F238E27FC236}">
-                <a16:creationId xmlns:a16="http://schemas.microsoft.com/office/drawing/2014/main" id="{71ECD916-499F-7887-852C-07556B50326F}"/>
+                <a16:creationId xmlns:a16="http://schemas.microsoft.com/office/drawing/2014/main" id="{372EA51B-85D2-9C3A-46AA-C525F1C4A3DA}"/>
               </a:ext>
             </a:extLst>
           </p:cNvPr>
@@ -6996,8 +6951,38 @@
         </p:blipFill>
         <p:spPr>
           <a:xfrm>
-            <a:off x="8188878" y="3531522"/>
-            <a:ext cx="2503623" cy="2253261"/>
+            <a:off x="7547337" y="609601"/>
+            <a:ext cx="3309779" cy="2507158"/>
+          </a:xfrm>
+          <a:prstGeom prst="rect">
+            <a:avLst/>
+          </a:prstGeom>
+        </p:spPr>
+      </p:pic>
+      <p:pic>
+        <p:nvPicPr>
+          <p:cNvPr id="9" name="Picture 8">
+            <a:extLst>
+              <a:ext uri="{FF2B5EF4-FFF2-40B4-BE49-F238E27FC236}">
+                <a16:creationId xmlns:a16="http://schemas.microsoft.com/office/drawing/2014/main" id="{C3A38ED2-B537-B9BD-FAF3-30D1945234EA}"/>
+              </a:ext>
+            </a:extLst>
+          </p:cNvPr>
+          <p:cNvPicPr>
+            <a:picLocks noChangeAspect="1"/>
+          </p:cNvPicPr>
+          <p:nvPr/>
+        </p:nvPicPr>
+        <p:blipFill>
+          <a:blip r:embed="rId5"/>
+          <a:stretch>
+            <a:fillRect/>
+          </a:stretch>
+        </p:blipFill>
+        <p:spPr>
+          <a:xfrm>
+            <a:off x="7264936" y="3746603"/>
+            <a:ext cx="3874581" cy="1569204"/>
           </a:xfrm>
           <a:prstGeom prst="rect">
             <a:avLst/>
@@ -7179,24 +7164,17 @@
               <a:buNone/>
             </a:pPr>
             <a:r>
-              <a:rPr lang="en-US"/>
+              <a:rPr lang="en-US" dirty="0"/>
               <a:t>I believe that with more informative features—such as reaction time, headshot percentage, and gun recoil control—the model could achieve significantly better performance.</a:t>
             </a:r>
             <a:br>
-              <a:rPr lang="en-US"/>
+              <a:rPr lang="en-US" dirty="0"/>
             </a:br>
             <a:r>
-              <a:rPr lang="en-US"/>
+              <a:rPr lang="en-US" dirty="0"/>
               <a:t>Additionally, having access to a larger and more balanced dataset of cheaters would improve training and reduce prediction bias.</a:t>
             </a:r>
-            <a:br>
-              <a:rPr lang="en-US"/>
-            </a:br>
-            <a:r>
-              <a:rPr lang="en-US"/>
-              <a:t>Finally, a more advanced neural network architecture (which my current hardware cannot efficiently run) could further enhance cheat detection accuracy.</a:t>
-            </a:r>
-            <a:endParaRPr lang="he-IL"/>
+            <a:endParaRPr lang="he-IL" dirty="0"/>
           </a:p>
         </p:txBody>
       </p:sp>
@@ -7204,6 +7182,302 @@
     <p:extLst>
       <p:ext uri="{BB962C8B-B14F-4D97-AF65-F5344CB8AC3E}">
         <p14:creationId xmlns:p14="http://schemas.microsoft.com/office/powerpoint/2010/main" val="787794580"/>
+      </p:ext>
+    </p:extLst>
+  </p:cSld>
+  <p:clrMapOvr>
+    <a:masterClrMapping/>
+  </p:clrMapOvr>
+</p:sld>
+</file>
+
+<file path=ppt/slides/slide14.xml><?xml version="1.0" encoding="utf-8"?>
+<p:sld xmlns:a="http://schemas.openxmlformats.org/drawingml/2006/main" xmlns:r="http://schemas.openxmlformats.org/officeDocument/2006/relationships" xmlns:p="http://schemas.openxmlformats.org/presentationml/2006/main">
+  <p:cSld>
+    <p:bg>
+      <p:bgPr>
+        <a:blipFill rotWithShape="1">
+          <a:blip r:embed="rId2">
+            <a:duotone>
+              <a:schemeClr val="bg2">
+                <a:shade val="80000"/>
+                <a:lumMod val="80000"/>
+              </a:schemeClr>
+              <a:schemeClr val="bg2">
+                <a:tint val="98000"/>
+              </a:schemeClr>
+            </a:duotone>
+          </a:blip>
+          <a:stretch/>
+        </a:blipFill>
+        <a:effectLst/>
+      </p:bgPr>
+    </p:bg>
+    <p:spTree>
+      <p:nvGrpSpPr>
+        <p:cNvPr id="1" name=""/>
+        <p:cNvGrpSpPr/>
+        <p:nvPr/>
+      </p:nvGrpSpPr>
+      <p:grpSpPr>
+        <a:xfrm>
+          <a:off x="0" y="0"/>
+          <a:ext cx="0" cy="0"/>
+          <a:chOff x="0" y="0"/>
+          <a:chExt cx="0" cy="0"/>
+        </a:xfrm>
+      </p:grpSpPr>
+      <p:sp useBgFill="1">
+        <p:nvSpPr>
+          <p:cNvPr id="18" name="Rectangle 17">
+            <a:extLst>
+              <a:ext uri="{FF2B5EF4-FFF2-40B4-BE49-F238E27FC236}">
+                <a16:creationId xmlns:a16="http://schemas.microsoft.com/office/drawing/2014/main" id="{DAB482FD-C684-4DAA-AC4C-1739F51A98A0}"/>
+              </a:ext>
+              <a:ext uri="{C183D7F6-B498-43B3-948B-1728B52AA6E4}">
+                <adec:decorative xmlns:adec="http://schemas.microsoft.com/office/drawing/2017/decorative" val="1"/>
+              </a:ext>
+            </a:extLst>
+          </p:cNvPr>
+          <p:cNvSpPr>
+            <a:spLocks noGrp="1" noRot="1" noChangeAspect="1" noMove="1" noResize="1" noEditPoints="1" noAdjustHandles="1" noChangeArrowheads="1" noChangeShapeType="1" noTextEdit="1"/>
+          </p:cNvSpPr>
+          <p:nvPr>
+            <p:extLst>
+              <p:ext uri="{386F3935-93C4-4BCD-93E2-E3B085C9AB24}">
+                <p16:designElem xmlns:p16="http://schemas.microsoft.com/office/powerpoint/2015/main" val="1"/>
+              </p:ext>
+            </p:extLst>
+          </p:nvPr>
+        </p:nvSpPr>
+        <p:spPr>
+          <a:xfrm>
+            <a:off x="0" y="0"/>
+            <a:ext cx="12192000" cy="6858000"/>
+          </a:xfrm>
+          <a:prstGeom prst="rect">
+            <a:avLst/>
+          </a:prstGeom>
+          <a:ln>
+            <a:noFill/>
+          </a:ln>
+        </p:spPr>
+        <p:style>
+          <a:lnRef idx="2">
+            <a:schemeClr val="accent1">
+              <a:shade val="50000"/>
+            </a:schemeClr>
+          </a:lnRef>
+          <a:fillRef idx="1">
+            <a:schemeClr val="accent1"/>
+          </a:fillRef>
+          <a:effectRef idx="0">
+            <a:schemeClr val="accent1"/>
+          </a:effectRef>
+          <a:fontRef idx="minor">
+            <a:schemeClr val="lt1"/>
+          </a:fontRef>
+        </p:style>
+        <p:txBody>
+          <a:bodyPr rtlCol="0" anchor="ctr"/>
+          <a:lstStyle/>
+          <a:p>
+            <a:pPr algn="ctr"/>
+            <a:endParaRPr lang="en-US"/>
+          </a:p>
+        </p:txBody>
+      </p:sp>
+      <p:sp>
+        <p:nvSpPr>
+          <p:cNvPr id="2" name="Title 1">
+            <a:extLst>
+              <a:ext uri="{FF2B5EF4-FFF2-40B4-BE49-F238E27FC236}">
+                <a16:creationId xmlns:a16="http://schemas.microsoft.com/office/drawing/2014/main" id="{A489DBF1-E901-3F61-B212-7C358637770D}"/>
+              </a:ext>
+            </a:extLst>
+          </p:cNvPr>
+          <p:cNvSpPr>
+            <a:spLocks noGrp="1"/>
+          </p:cNvSpPr>
+          <p:nvPr>
+            <p:ph type="ctrTitle"/>
+          </p:nvPr>
+        </p:nvSpPr>
+        <p:spPr>
+          <a:xfrm>
+            <a:off x="5139236" y="1097280"/>
+            <a:ext cx="6043875" cy="4626864"/>
+          </a:xfrm>
+        </p:spPr>
+        <p:txBody>
+          <a:bodyPr anchor="ctr">
+            <a:normAutofit/>
+          </a:bodyPr>
+          <a:lstStyle/>
+          <a:p>
+            <a:pPr algn="l"/>
+            <a:r>
+              <a:rPr lang="en-US"/>
+              <a:t>Summary</a:t>
+            </a:r>
+            <a:endParaRPr lang="en-IL"/>
+          </a:p>
+        </p:txBody>
+      </p:sp>
+      <p:sp>
+        <p:nvSpPr>
+          <p:cNvPr id="3" name="Subtitle 2">
+            <a:extLst>
+              <a:ext uri="{FF2B5EF4-FFF2-40B4-BE49-F238E27FC236}">
+                <a16:creationId xmlns:a16="http://schemas.microsoft.com/office/drawing/2014/main" id="{86DF8401-8675-F391-18E3-E3349D40670C}"/>
+              </a:ext>
+            </a:extLst>
+          </p:cNvPr>
+          <p:cNvSpPr>
+            <a:spLocks noGrp="1"/>
+          </p:cNvSpPr>
+          <p:nvPr>
+            <p:ph type="subTitle" idx="1"/>
+          </p:nvPr>
+        </p:nvSpPr>
+        <p:spPr>
+          <a:xfrm>
+            <a:off x="913795" y="1097280"/>
+            <a:ext cx="3256177" cy="4626863"/>
+          </a:xfrm>
+        </p:spPr>
+        <p:txBody>
+          <a:bodyPr anchor="ctr">
+            <a:normAutofit/>
+          </a:bodyPr>
+          <a:lstStyle/>
+          <a:p>
+            <a:pPr algn="r">
+              <a:lnSpc>
+                <a:spcPct val="90000"/>
+              </a:lnSpc>
+            </a:pPr>
+            <a:r>
+              <a:rPr lang="en-US" sz="1600" dirty="0">
+                <a:effectLst/>
+              </a:rPr>
+              <a:t>The project successfully builds an anti-cheat model for CS:GO using multiple approaches, and </a:t>
+            </a:r>
+            <a:r>
+              <a:rPr lang="en-US" sz="1600" dirty="0" err="1">
+                <a:effectLst/>
+              </a:rPr>
+              <a:t>XGBoost</a:t>
+            </a:r>
+            <a:r>
+              <a:rPr lang="en-US" sz="1600" dirty="0">
+                <a:effectLst/>
+              </a:rPr>
+              <a:t>. The </a:t>
+            </a:r>
+            <a:r>
+              <a:rPr lang="en-US" sz="1600" dirty="0" err="1">
+                <a:effectLst/>
+              </a:rPr>
+              <a:t>XGBoost</a:t>
+            </a:r>
+            <a:r>
+              <a:rPr lang="en-US" sz="1600" dirty="0">
+                <a:effectLst/>
+              </a:rPr>
+              <a:t> model achieved the best performance with 85% accuracy, performing well in detecting legit players (99% recall) but struggling to identify cheaters (17% recall). Feature importance analysis shows that vertical aiming adjustments (</a:t>
+            </a:r>
+            <a:r>
+              <a:rPr lang="en-US" sz="1600" dirty="0" err="1">
+                <a:effectLst/>
+              </a:rPr>
+              <a:t>AttackerDeltaPitch</a:t>
+            </a:r>
+            <a:r>
+              <a:rPr lang="en-US" sz="1600" dirty="0">
+                <a:effectLst/>
+              </a:rPr>
+              <a:t>) and </a:t>
+            </a:r>
+            <a:r>
+              <a:rPr lang="en-US" sz="1600" dirty="0" err="1">
+                <a:effectLst/>
+              </a:rPr>
+              <a:t>CrosshairToVictimPitch</a:t>
+            </a:r>
+            <a:r>
+              <a:rPr lang="en-US" sz="1600" dirty="0">
+                <a:effectLst/>
+              </a:rPr>
+              <a:t> are the most significant indicators of cheating behavior. Outlier detection methods (IQR, Z-score, Isolation Forest) and data visualizations help better understand the dataset’s distribution and potential anomalies.</a:t>
+            </a:r>
+          </a:p>
+          <a:p>
+            <a:pPr algn="r">
+              <a:lnSpc>
+                <a:spcPct val="90000"/>
+              </a:lnSpc>
+            </a:pPr>
+            <a:endParaRPr lang="en-IL" sz="1600" dirty="0"/>
+          </a:p>
+        </p:txBody>
+      </p:sp>
+      <p:cxnSp>
+        <p:nvCxnSpPr>
+          <p:cNvPr id="10" name="Straight Connector 9">
+            <a:extLst>
+              <a:ext uri="{FF2B5EF4-FFF2-40B4-BE49-F238E27FC236}">
+                <a16:creationId xmlns:a16="http://schemas.microsoft.com/office/drawing/2014/main" id="{2DAA738B-EDF5-4694-B25A-3488245BC87C}"/>
+              </a:ext>
+              <a:ext uri="{C183D7F6-B498-43B3-948B-1728B52AA6E4}">
+                <adec:decorative xmlns:adec="http://schemas.microsoft.com/office/drawing/2017/decorative" val="1"/>
+              </a:ext>
+            </a:extLst>
+          </p:cNvPr>
+          <p:cNvCxnSpPr>
+            <a:cxnSpLocks noGrp="1" noRot="1" noChangeAspect="1" noMove="1" noResize="1" noEditPoints="1" noAdjustHandles="1" noChangeArrowheads="1" noChangeShapeType="1"/>
+          </p:cNvCxnSpPr>
+          <p:nvPr>
+            <p:extLst>
+              <p:ext uri="{386F3935-93C4-4BCD-93E2-E3B085C9AB24}">
+                <p16:designElem xmlns:p16="http://schemas.microsoft.com/office/powerpoint/2015/main" val="1"/>
+              </p:ext>
+            </p:extLst>
+          </p:nvPr>
+        </p:nvCxnSpPr>
+        <p:spPr>
+          <a:xfrm>
+            <a:off x="4654605" y="2057399"/>
+            <a:ext cx="0" cy="2743200"/>
+          </a:xfrm>
+          <a:prstGeom prst="line">
+            <a:avLst/>
+          </a:prstGeom>
+          <a:ln w="19050">
+            <a:solidFill>
+              <a:schemeClr val="tx2"/>
+            </a:solidFill>
+          </a:ln>
+        </p:spPr>
+        <p:style>
+          <a:lnRef idx="1">
+            <a:schemeClr val="accent1"/>
+          </a:lnRef>
+          <a:fillRef idx="0">
+            <a:schemeClr val="accent1"/>
+          </a:fillRef>
+          <a:effectRef idx="0">
+            <a:schemeClr val="accent1"/>
+          </a:effectRef>
+          <a:fontRef idx="minor">
+            <a:schemeClr val="tx1"/>
+          </a:fontRef>
+        </p:style>
+      </p:cxnSp>
+    </p:spTree>
+    <p:extLst>
+      <p:ext uri="{BB962C8B-B14F-4D97-AF65-F5344CB8AC3E}">
+        <p14:creationId xmlns:p14="http://schemas.microsoft.com/office/powerpoint/2010/main" val="4195393239"/>
       </p:ext>
     </p:extLst>
   </p:cSld>
